--- a/Edited/Easter Dive Camps Flyer 2020.pptx
+++ b/Edited/Easter Dive Camps Flyer 2020.pptx
@@ -208,7 +208,7 @@
           <a:p>
             <a:fld id="{F9216666-ECAE-CE4F-9189-6D2EDC084237}" type="datetimeFigureOut">
               <a:rPr lang="en-US" smtClean="0"/>
-              <a:t>3/11/20</a:t>
+              <a:t>3/12/20</a:t>
             </a:fld>
             <a:endParaRPr lang="en-US"/>
           </a:p>
@@ -756,7 +756,7 @@
           <a:p>
             <a:fld id="{D140825E-4A15-4D39-8176-1F07E904CB30}" type="datetimeFigureOut">
               <a:rPr lang="en-US" smtClean="0"/>
-              <a:t>3/11/20</a:t>
+              <a:t>3/12/20</a:t>
             </a:fld>
             <a:endParaRPr lang="en-US"/>
           </a:p>
@@ -885,7 +885,7 @@
           <a:p>
             <a:fld id="{D140825E-4A15-4D39-8176-1F07E904CB30}" type="datetimeFigureOut">
               <a:rPr lang="en-US" smtClean="0"/>
-              <a:t>3/11/20</a:t>
+              <a:t>3/12/20</a:t>
             </a:fld>
             <a:endParaRPr lang="en-US"/>
           </a:p>
@@ -1190,7 +1190,7 @@
           <a:p>
             <a:fld id="{D140825E-4A15-4D39-8176-1F07E904CB30}" type="datetimeFigureOut">
               <a:rPr lang="en-US" smtClean="0"/>
-              <a:t>3/11/20</a:t>
+              <a:t>3/12/20</a:t>
             </a:fld>
             <a:endParaRPr lang="en-US"/>
           </a:p>
@@ -1415,7 +1415,7 @@
           <a:p>
             <a:fld id="{D140825E-4A15-4D39-8176-1F07E904CB30}" type="datetimeFigureOut">
               <a:rPr lang="en-US" smtClean="0"/>
-              <a:t>3/11/20</a:t>
+              <a:t>3/12/20</a:t>
             </a:fld>
             <a:endParaRPr lang="en-US"/>
           </a:p>
@@ -1685,7 +1685,7 @@
           <a:p>
             <a:fld id="{D140825E-4A15-4D39-8176-1F07E904CB30}" type="datetimeFigureOut">
               <a:rPr lang="en-US" smtClean="0"/>
-              <a:t>3/11/20</a:t>
+              <a:t>3/12/20</a:t>
             </a:fld>
             <a:endParaRPr lang="en-US"/>
           </a:p>
@@ -2010,7 +2010,7 @@
           <a:p>
             <a:fld id="{D140825E-4A15-4D39-8176-1F07E904CB30}" type="datetimeFigureOut">
               <a:rPr lang="en-US" smtClean="0"/>
-              <a:t>3/11/20</a:t>
+              <a:t>3/12/20</a:t>
             </a:fld>
             <a:endParaRPr lang="en-US"/>
           </a:p>
@@ -2203,7 +2203,7 @@
           <a:p>
             <a:fld id="{D140825E-4A15-4D39-8176-1F07E904CB30}" type="datetimeFigureOut">
               <a:rPr lang="en-US" smtClean="0"/>
-              <a:t>3/11/20</a:t>
+              <a:t>3/12/20</a:t>
             </a:fld>
             <a:endParaRPr lang="en-US"/>
           </a:p>
@@ -2307,7 +2307,7 @@
           <a:p>
             <a:fld id="{D140825E-4A15-4D39-8176-1F07E904CB30}" type="datetimeFigureOut">
               <a:rPr lang="en-US" smtClean="0"/>
-              <a:t>3/11/20</a:t>
+              <a:t>3/12/20</a:t>
             </a:fld>
             <a:endParaRPr lang="en-US"/>
           </a:p>
@@ -2476,7 +2476,7 @@
           <a:p>
             <a:fld id="{D140825E-4A15-4D39-8176-1F07E904CB30}" type="datetimeFigureOut">
               <a:rPr lang="en-US" smtClean="0"/>
-              <a:t>3/11/20</a:t>
+              <a:t>3/12/20</a:t>
             </a:fld>
             <a:endParaRPr lang="en-US"/>
           </a:p>
@@ -2740,7 +2740,7 @@
           <a:p>
             <a:fld id="{D140825E-4A15-4D39-8176-1F07E904CB30}" type="datetimeFigureOut">
               <a:rPr lang="en-US" smtClean="0"/>
-              <a:t>3/11/20</a:t>
+              <a:t>3/12/20</a:t>
             </a:fld>
             <a:endParaRPr lang="en-US"/>
           </a:p>
@@ -3074,7 +3074,7 @@
           <a:p>
             <a:fld id="{D140825E-4A15-4D39-8176-1F07E904CB30}" type="datetimeFigureOut">
               <a:rPr lang="en-US" smtClean="0"/>
-              <a:t>3/11/20</a:t>
+              <a:t>3/12/20</a:t>
             </a:fld>
             <a:endParaRPr lang="en-US"/>
           </a:p>
@@ -3515,7 +3515,7 @@
           <a:p>
             <a:fld id="{D140825E-4A15-4D39-8176-1F07E904CB30}" type="datetimeFigureOut">
               <a:rPr lang="en-US" smtClean="0"/>
-              <a:t>3/11/20</a:t>
+              <a:t>3/12/20</a:t>
             </a:fld>
             <a:endParaRPr lang="en-US"/>
           </a:p>
@@ -3713,7 +3713,7 @@
           <a:p>
             <a:fld id="{D140825E-4A15-4D39-8176-1F07E904CB30}" type="datetimeFigureOut">
               <a:rPr lang="en-US" smtClean="0"/>
-              <a:t>3/11/20</a:t>
+              <a:t>3/12/20</a:t>
             </a:fld>
             <a:endParaRPr lang="en-US"/>
           </a:p>
@@ -3996,7 +3996,7 @@
           <a:p>
             <a:fld id="{D140825E-4A15-4D39-8176-1F07E904CB30}" type="datetimeFigureOut">
               <a:rPr lang="en-US" smtClean="0"/>
-              <a:t>3/11/20</a:t>
+              <a:t>3/12/20</a:t>
             </a:fld>
             <a:endParaRPr lang="en-US"/>
           </a:p>
@@ -4364,7 +4364,7 @@
           <a:p>
             <a:fld id="{D140825E-4A15-4D39-8176-1F07E904CB30}" type="datetimeFigureOut">
               <a:rPr lang="en-US" smtClean="0"/>
-              <a:t>3/11/20</a:t>
+              <a:t>3/12/20</a:t>
             </a:fld>
             <a:endParaRPr lang="en-US"/>
           </a:p>
@@ -4860,7 +4860,7 @@
           <a:p>
             <a:fld id="{D140825E-4A15-4D39-8176-1F07E904CB30}" type="datetimeFigureOut">
               <a:rPr lang="en-US" smtClean="0"/>
-              <a:t>3/11/20</a:t>
+              <a:t>3/12/20</a:t>
             </a:fld>
             <a:endParaRPr lang="en-US"/>
           </a:p>
@@ -5069,7 +5069,7 @@
           <a:p>
             <a:fld id="{D140825E-4A15-4D39-8176-1F07E904CB30}" type="datetimeFigureOut">
               <a:rPr lang="en-US" smtClean="0"/>
-              <a:t>3/11/20</a:t>
+              <a:t>3/12/20</a:t>
             </a:fld>
             <a:endParaRPr lang="en-US"/>
           </a:p>
@@ -5632,7 +5632,7 @@
         </p:blipFill>
         <p:spPr>
           <a:xfrm>
-            <a:off x="3744109" y="6247483"/>
+            <a:off x="3744109" y="6272227"/>
             <a:ext cx="1325651" cy="2656885"/>
           </a:xfrm>
           <a:prstGeom prst="rect">
@@ -5866,7 +5866,7 @@
                   <a:schemeClr val="bg1"/>
                 </a:solidFill>
               </a:rPr>
-              <a:t>Please provide the time of the course you want to book, along with the participants name, D.O.B. emergency contact and any relevant medical information </a:t>
+              <a:t>Please provide the time of the course you want to book, along with the participant’s name, D.O.B. emergency contact and any relevant medical information. </a:t>
             </a:r>
           </a:p>
         </p:txBody>
